--- a/Vision Measurement/Vision Project.pptx
+++ b/Vision Measurement/Vision Project.pptx
@@ -1,6 +1,6 @@
 
 <file path=ppt/presentation.xml><?xml version="1.0" encoding="utf-8"?>
-<p:presentation xmlns:a="http://schemas.openxmlformats.org/drawingml/2006/main" xmlns:r="http://schemas.openxmlformats.org/officeDocument/2006/relationships" xmlns:p="http://schemas.openxmlformats.org/presentationml/2006/main" saveSubsetFonts="1">
+<p:presentation xmlns:a="http://schemas.openxmlformats.org/drawingml/2006/main" xmlns:r="http://schemas.openxmlformats.org/officeDocument/2006/relationships" xmlns:p="http://schemas.openxmlformats.org/presentationml/2006/main" removePersonalInfoOnSave="1" saveSubsetFonts="1">
   <p:sldMasterIdLst>
     <p:sldMasterId id="2147483660" r:id="rId1"/>
   </p:sldMasterIdLst>
@@ -122,6 +122,7 @@
       </a:defRPr>
     </a:lvl9pPr>
   </p:defaultTextStyle>
+  <p:modifyVerifier cryptProviderType="rsaAES" cryptAlgorithmClass="hash" cryptAlgorithmType="typeAny" cryptAlgorithmSid="14" spinCount="100000" saltData="m1nAtpn0bhMeERozYBBnXQ==" hashData="94pHP7jh/o3Jn+hJRVZMpcQjvkRIaiWFtv+Dbyd7sAvGiG7zrGYSV5tJMDwd+gaMB196FJCnkPhyefhrl/PnHA=="/>
   <p:extLst>
     <p:ext uri="{EFAFB233-063F-42B5-8137-9DF3F51BA10A}">
       <p15:sldGuideLst xmlns:p15="http://schemas.microsoft.com/office/powerpoint/2012/main"/>
@@ -215,7 +216,7 @@
           <a:p>
             <a:fld id="{F145F1C8-111D-496E-9CA4-A0A05A7A4E19}" type="datetimeFigureOut">
               <a:rPr lang="ko-KR" altLang="en-US" smtClean="0"/>
-              <a:t>2019-06-06</a:t>
+              <a:t>2020-03-22</a:t>
             </a:fld>
             <a:endParaRPr lang="ko-KR" altLang="en-US"/>
           </a:p>
@@ -708,7 +709,7 @@
           <a:p>
             <a:fld id="{4C17CA78-73C0-4C76-8558-8B525F289F6A}" type="datetimeFigureOut">
               <a:rPr lang="ko-KR" altLang="en-US" smtClean="0"/>
-              <a:t>2019-06-06</a:t>
+              <a:t>2020-03-22</a:t>
             </a:fld>
             <a:endParaRPr lang="ko-KR" altLang="en-US"/>
           </a:p>
@@ -1055,7 +1056,7 @@
           <a:p>
             <a:fld id="{4C17CA78-73C0-4C76-8558-8B525F289F6A}" type="datetimeFigureOut">
               <a:rPr lang="ko-KR" altLang="en-US" smtClean="0"/>
-              <a:t>2019-06-06</a:t>
+              <a:t>2020-03-22</a:t>
             </a:fld>
             <a:endParaRPr lang="ko-KR" altLang="en-US"/>
           </a:p>
@@ -1229,7 +1230,7 @@
           <a:p>
             <a:fld id="{4C17CA78-73C0-4C76-8558-8B525F289F6A}" type="datetimeFigureOut">
               <a:rPr lang="ko-KR" altLang="en-US" smtClean="0"/>
-              <a:t>2019-06-06</a:t>
+              <a:t>2020-03-22</a:t>
             </a:fld>
             <a:endParaRPr lang="ko-KR" altLang="en-US"/>
           </a:p>
@@ -1572,7 +1573,7 @@
           <a:p>
             <a:fld id="{4C17CA78-73C0-4C76-8558-8B525F289F6A}" type="datetimeFigureOut">
               <a:rPr lang="ko-KR" altLang="en-US" smtClean="0"/>
-              <a:t>2019-06-06</a:t>
+              <a:t>2020-03-22</a:t>
             </a:fld>
             <a:endParaRPr lang="ko-KR" altLang="en-US"/>
           </a:p>
@@ -1934,7 +1935,7 @@
           <a:p>
             <a:fld id="{4C17CA78-73C0-4C76-8558-8B525F289F6A}" type="datetimeFigureOut">
               <a:rPr lang="ko-KR" altLang="en-US" smtClean="0"/>
-              <a:t>2019-06-06</a:t>
+              <a:t>2020-03-22</a:t>
             </a:fld>
             <a:endParaRPr lang="ko-KR" altLang="en-US"/>
           </a:p>
@@ -2313,7 +2314,7 @@
           <a:p>
             <a:fld id="{4C17CA78-73C0-4C76-8558-8B525F289F6A}" type="datetimeFigureOut">
               <a:rPr lang="ko-KR" altLang="en-US" smtClean="0"/>
-              <a:t>2019-06-06</a:t>
+              <a:t>2020-03-22</a:t>
             </a:fld>
             <a:endParaRPr lang="ko-KR" altLang="en-US"/>
           </a:p>
@@ -2431,7 +2432,7 @@
           <a:p>
             <a:fld id="{4C17CA78-73C0-4C76-8558-8B525F289F6A}" type="datetimeFigureOut">
               <a:rPr lang="ko-KR" altLang="en-US" smtClean="0"/>
-              <a:t>2019-06-06</a:t>
+              <a:t>2020-03-22</a:t>
             </a:fld>
             <a:endParaRPr lang="ko-KR" altLang="en-US"/>
           </a:p>
@@ -2602,7 +2603,7 @@
           <a:p>
             <a:fld id="{4C17CA78-73C0-4C76-8558-8B525F289F6A}" type="datetimeFigureOut">
               <a:rPr lang="ko-KR" altLang="en-US" smtClean="0"/>
-              <a:t>2019-06-06</a:t>
+              <a:t>2020-03-22</a:t>
             </a:fld>
             <a:endParaRPr lang="ko-KR" altLang="en-US"/>
           </a:p>
@@ -3043,7 +3044,7 @@
           <a:p>
             <a:fld id="{4C17CA78-73C0-4C76-8558-8B525F289F6A}" type="datetimeFigureOut">
               <a:rPr lang="ko-KR" altLang="en-US" smtClean="0"/>
-              <a:t>2019-06-06</a:t>
+              <a:t>2020-03-22</a:t>
             </a:fld>
             <a:endParaRPr lang="ko-KR" altLang="en-US"/>
           </a:p>
@@ -3425,7 +3426,7 @@
           <a:p>
             <a:fld id="{4C17CA78-73C0-4C76-8558-8B525F289F6A}" type="datetimeFigureOut">
               <a:rPr lang="ko-KR" altLang="en-US" smtClean="0"/>
-              <a:t>2019-06-06</a:t>
+              <a:t>2020-03-22</a:t>
             </a:fld>
             <a:endParaRPr lang="ko-KR" altLang="en-US"/>
           </a:p>
@@ -3712,7 +3713,7 @@
           <a:p>
             <a:fld id="{4C17CA78-73C0-4C76-8558-8B525F289F6A}" type="datetimeFigureOut">
               <a:rPr lang="ko-KR" altLang="en-US" smtClean="0"/>
-              <a:t>2019-06-06</a:t>
+              <a:t>2020-03-22</a:t>
             </a:fld>
             <a:endParaRPr lang="ko-KR" altLang="en-US"/>
           </a:p>
